--- a/docs/painExpectElectrical/VisualStimuli.pptx
+++ b/docs/painExpectElectrical/VisualStimuli.pptx
@@ -1146,7 +1146,7 @@
           <a:p>
             <a:fld id="{5DDC2AD2-AF99-47A6-A968-A5E9DAC693F2}" type="datetimeFigureOut">
               <a:rPr lang="en-DK" smtClean="0"/>
-              <a:t>03/09/2023</a:t>
+              <a:t>01/11/2024</a:t>
             </a:fld>
             <a:endParaRPr lang="en-DK"/>
           </a:p>
@@ -1305,7 +1305,7 @@
           <a:p>
             <a:fld id="{697AE1E4-EE64-4327-819E-39F552C8B9A6}" type="slidenum">
               <a:rPr lang="en-DK" smtClean="0"/>
-              <a:t>‹#›</a:t>
+              <a:t>‹Nr.›</a:t>
             </a:fld>
             <a:endParaRPr lang="en-DK"/>
           </a:p>
@@ -3763,7 +3763,7 @@
           <a:p>
             <a:fld id="{B3C54930-DF73-4683-BEE7-FFCD5ED63EE6}" type="datetimeFigureOut">
               <a:rPr lang="en-DK" smtClean="0"/>
-              <a:t>03/09/2023</a:t>
+              <a:t>01/11/2024</a:t>
             </a:fld>
             <a:endParaRPr lang="en-DK"/>
           </a:p>
@@ -3817,7 +3817,7 @@
           <a:p>
             <a:fld id="{9BCAE3F1-9A82-4A47-A026-1CA531AF1657}" type="slidenum">
               <a:rPr lang="en-DK" smtClean="0"/>
-              <a:t>‹#›</a:t>
+              <a:t>‹Nr.›</a:t>
             </a:fld>
             <a:endParaRPr lang="en-DK"/>
           </a:p>
@@ -3963,7 +3963,7 @@
           <a:p>
             <a:fld id="{B3C54930-DF73-4683-BEE7-FFCD5ED63EE6}" type="datetimeFigureOut">
               <a:rPr lang="en-DK" smtClean="0"/>
-              <a:t>03/09/2023</a:t>
+              <a:t>01/11/2024</a:t>
             </a:fld>
             <a:endParaRPr lang="en-DK"/>
           </a:p>
@@ -4017,7 +4017,7 @@
           <a:p>
             <a:fld id="{9BCAE3F1-9A82-4A47-A026-1CA531AF1657}" type="slidenum">
               <a:rPr lang="en-DK" smtClean="0"/>
-              <a:t>‹#›</a:t>
+              <a:t>‹Nr.›</a:t>
             </a:fld>
             <a:endParaRPr lang="en-DK"/>
           </a:p>
@@ -4173,7 +4173,7 @@
           <a:p>
             <a:fld id="{B3C54930-DF73-4683-BEE7-FFCD5ED63EE6}" type="datetimeFigureOut">
               <a:rPr lang="en-DK" smtClean="0"/>
-              <a:t>03/09/2023</a:t>
+              <a:t>01/11/2024</a:t>
             </a:fld>
             <a:endParaRPr lang="en-DK"/>
           </a:p>
@@ -4227,7 +4227,7 @@
           <a:p>
             <a:fld id="{9BCAE3F1-9A82-4A47-A026-1CA531AF1657}" type="slidenum">
               <a:rPr lang="en-DK" smtClean="0"/>
-              <a:t>‹#›</a:t>
+              <a:t>‹Nr.›</a:t>
             </a:fld>
             <a:endParaRPr lang="en-DK"/>
           </a:p>
@@ -4373,7 +4373,7 @@
           <a:p>
             <a:fld id="{B3C54930-DF73-4683-BEE7-FFCD5ED63EE6}" type="datetimeFigureOut">
               <a:rPr lang="en-DK" smtClean="0"/>
-              <a:t>03/09/2023</a:t>
+              <a:t>01/11/2024</a:t>
             </a:fld>
             <a:endParaRPr lang="en-DK"/>
           </a:p>
@@ -4427,7 +4427,7 @@
           <a:p>
             <a:fld id="{9BCAE3F1-9A82-4A47-A026-1CA531AF1657}" type="slidenum">
               <a:rPr lang="en-DK" smtClean="0"/>
-              <a:t>‹#›</a:t>
+              <a:t>‹Nr.›</a:t>
             </a:fld>
             <a:endParaRPr lang="en-DK"/>
           </a:p>
@@ -4649,7 +4649,7 @@
           <a:p>
             <a:fld id="{B3C54930-DF73-4683-BEE7-FFCD5ED63EE6}" type="datetimeFigureOut">
               <a:rPr lang="en-DK" smtClean="0"/>
-              <a:t>03/09/2023</a:t>
+              <a:t>01/11/2024</a:t>
             </a:fld>
             <a:endParaRPr lang="en-DK"/>
           </a:p>
@@ -4703,7 +4703,7 @@
           <a:p>
             <a:fld id="{9BCAE3F1-9A82-4A47-A026-1CA531AF1657}" type="slidenum">
               <a:rPr lang="en-DK" smtClean="0"/>
-              <a:t>‹#›</a:t>
+              <a:t>‹Nr.›</a:t>
             </a:fld>
             <a:endParaRPr lang="en-DK"/>
           </a:p>
@@ -4917,7 +4917,7 @@
           <a:p>
             <a:fld id="{B3C54930-DF73-4683-BEE7-FFCD5ED63EE6}" type="datetimeFigureOut">
               <a:rPr lang="en-DK" smtClean="0"/>
-              <a:t>03/09/2023</a:t>
+              <a:t>01/11/2024</a:t>
             </a:fld>
             <a:endParaRPr lang="en-DK"/>
           </a:p>
@@ -4971,7 +4971,7 @@
           <a:p>
             <a:fld id="{9BCAE3F1-9A82-4A47-A026-1CA531AF1657}" type="slidenum">
               <a:rPr lang="en-DK" smtClean="0"/>
-              <a:t>‹#›</a:t>
+              <a:t>‹Nr.›</a:t>
             </a:fld>
             <a:endParaRPr lang="en-DK"/>
           </a:p>
@@ -5332,7 +5332,7 @@
           <a:p>
             <a:fld id="{B3C54930-DF73-4683-BEE7-FFCD5ED63EE6}" type="datetimeFigureOut">
               <a:rPr lang="en-DK" smtClean="0"/>
-              <a:t>03/09/2023</a:t>
+              <a:t>01/11/2024</a:t>
             </a:fld>
             <a:endParaRPr lang="en-DK"/>
           </a:p>
@@ -5386,7 +5386,7 @@
           <a:p>
             <a:fld id="{9BCAE3F1-9A82-4A47-A026-1CA531AF1657}" type="slidenum">
               <a:rPr lang="en-DK" smtClean="0"/>
-              <a:t>‹#›</a:t>
+              <a:t>‹Nr.›</a:t>
             </a:fld>
             <a:endParaRPr lang="en-DK"/>
           </a:p>
@@ -5474,7 +5474,7 @@
           <a:p>
             <a:fld id="{B3C54930-DF73-4683-BEE7-FFCD5ED63EE6}" type="datetimeFigureOut">
               <a:rPr lang="en-DK" smtClean="0"/>
-              <a:t>03/09/2023</a:t>
+              <a:t>01/11/2024</a:t>
             </a:fld>
             <a:endParaRPr lang="en-DK"/>
           </a:p>
@@ -5528,7 +5528,7 @@
           <a:p>
             <a:fld id="{9BCAE3F1-9A82-4A47-A026-1CA531AF1657}" type="slidenum">
               <a:rPr lang="en-DK" smtClean="0"/>
-              <a:t>‹#›</a:t>
+              <a:t>‹Nr.›</a:t>
             </a:fld>
             <a:endParaRPr lang="en-DK"/>
           </a:p>
@@ -5587,7 +5587,7 @@
           <a:p>
             <a:fld id="{B3C54930-DF73-4683-BEE7-FFCD5ED63EE6}" type="datetimeFigureOut">
               <a:rPr lang="en-DK" smtClean="0"/>
-              <a:t>03/09/2023</a:t>
+              <a:t>01/11/2024</a:t>
             </a:fld>
             <a:endParaRPr lang="en-DK"/>
           </a:p>
@@ -5641,7 +5641,7 @@
           <a:p>
             <a:fld id="{9BCAE3F1-9A82-4A47-A026-1CA531AF1657}" type="slidenum">
               <a:rPr lang="en-DK" smtClean="0"/>
-              <a:t>‹#›</a:t>
+              <a:t>‹Nr.›</a:t>
             </a:fld>
             <a:endParaRPr lang="en-DK"/>
           </a:p>
@@ -5900,7 +5900,7 @@
           <a:p>
             <a:fld id="{B3C54930-DF73-4683-BEE7-FFCD5ED63EE6}" type="datetimeFigureOut">
               <a:rPr lang="en-DK" smtClean="0"/>
-              <a:t>03/09/2023</a:t>
+              <a:t>01/11/2024</a:t>
             </a:fld>
             <a:endParaRPr lang="en-DK"/>
           </a:p>
@@ -5954,7 +5954,7 @@
           <a:p>
             <a:fld id="{9BCAE3F1-9A82-4A47-A026-1CA531AF1657}" type="slidenum">
               <a:rPr lang="en-DK" smtClean="0"/>
-              <a:t>‹#›</a:t>
+              <a:t>‹Nr.›</a:t>
             </a:fld>
             <a:endParaRPr lang="en-DK"/>
           </a:p>
@@ -6189,7 +6189,7 @@
           <a:p>
             <a:fld id="{B3C54930-DF73-4683-BEE7-FFCD5ED63EE6}" type="datetimeFigureOut">
               <a:rPr lang="en-DK" smtClean="0"/>
-              <a:t>03/09/2023</a:t>
+              <a:t>01/11/2024</a:t>
             </a:fld>
             <a:endParaRPr lang="en-DK"/>
           </a:p>
@@ -6243,7 +6243,7 @@
           <a:p>
             <a:fld id="{9BCAE3F1-9A82-4A47-A026-1CA531AF1657}" type="slidenum">
               <a:rPr lang="en-DK" smtClean="0"/>
-              <a:t>‹#›</a:t>
+              <a:t>‹Nr.›</a:t>
             </a:fld>
             <a:endParaRPr lang="en-DK"/>
           </a:p>
@@ -6432,7 +6432,7 @@
           <a:p>
             <a:fld id="{B3C54930-DF73-4683-BEE7-FFCD5ED63EE6}" type="datetimeFigureOut">
               <a:rPr lang="en-DK" smtClean="0"/>
-              <a:t>03/09/2023</a:t>
+              <a:t>01/11/2024</a:t>
             </a:fld>
             <a:endParaRPr lang="en-DK"/>
           </a:p>
@@ -6522,7 +6522,7 @@
           <a:p>
             <a:fld id="{9BCAE3F1-9A82-4A47-A026-1CA531AF1657}" type="slidenum">
               <a:rPr lang="en-DK" smtClean="0"/>
-              <a:t>‹#›</a:t>
+              <a:t>‹Nr.›</a:t>
             </a:fld>
             <a:endParaRPr lang="en-DK"/>
           </a:p>
@@ -11467,41 +11467,6 @@
           </a:p>
         </p:txBody>
       </p:sp>
-      <p:pic>
-        <p:nvPicPr>
-          <p:cNvPr id="3" name="Picture 2" descr="A blue and white half circle&#10;&#10;Description automatically generated">
-            <a:extLst>
-              <a:ext uri="{FF2B5EF4-FFF2-40B4-BE49-F238E27FC236}">
-                <a16:creationId xmlns:a16="http://schemas.microsoft.com/office/drawing/2014/main" id="{28C431C5-4488-163C-A8BB-84CED0B1A570}"/>
-              </a:ext>
-            </a:extLst>
-          </p:cNvPr>
-          <p:cNvPicPr>
-            <a:picLocks noChangeAspect="1"/>
-          </p:cNvPicPr>
-          <p:nvPr/>
-        </p:nvPicPr>
-        <p:blipFill rotWithShape="1">
-          <a:blip r:embed="rId3">
-            <a:extLst>
-              <a:ext uri="{28A0092B-C50C-407E-A947-70E740481C1C}">
-                <a14:useLocalDpi xmlns:a14="http://schemas.microsoft.com/office/drawing/2010/main" val="0"/>
-              </a:ext>
-            </a:extLst>
-          </a:blip>
-          <a:srcRect l="48621" t="28506" r="39052" b="32260"/>
-          <a:stretch/>
-        </p:blipFill>
-        <p:spPr>
-          <a:xfrm>
-            <a:off x="5344510" y="2083675"/>
-            <a:ext cx="1502980" cy="2690649"/>
-          </a:xfrm>
-          <a:prstGeom prst="rect">
-            <a:avLst/>
-          </a:prstGeom>
-        </p:spPr>
-      </p:pic>
       <p:sp>
         <p:nvSpPr>
           <p:cNvPr id="6" name="Rectangle 5">
@@ -11556,6 +11521,51 @@
           </a:p>
         </p:txBody>
       </p:sp>
+      <p:sp>
+        <p:nvSpPr>
+          <p:cNvPr id="7" name="Ellipse 3">
+            <a:extLst>
+              <a:ext uri="{FF2B5EF4-FFF2-40B4-BE49-F238E27FC236}">
+                <a16:creationId xmlns:a16="http://schemas.microsoft.com/office/drawing/2014/main" id="{13F693EA-305C-4AD4-AEC0-6EE3192CEEEA}"/>
+              </a:ext>
+            </a:extLst>
+          </p:cNvPr>
+          <p:cNvSpPr/>
+          <p:nvPr/>
+        </p:nvSpPr>
+        <p:spPr>
+          <a:xfrm rot="2426620">
+            <a:off x="5967273" y="992076"/>
+            <a:ext cx="257455" cy="4873843"/>
+          </a:xfrm>
+          <a:prstGeom prst="ellipse">
+            <a:avLst/>
+          </a:prstGeom>
+          <a:solidFill>
+            <a:schemeClr val="accent1"/>
+          </a:solidFill>
+          <a:ln w="12700">
+            <a:solidFill>
+              <a:srgbClr val="32538F"/>
+            </a:solidFill>
+            <a:miter/>
+          </a:ln>
+        </p:spPr>
+        <p:txBody>
+          <a:bodyPr lIns="45719" rIns="45719" anchor="ctr"/>
+          <a:lstStyle/>
+          <a:p>
+            <a:pPr algn="ctr">
+              <a:defRPr>
+                <a:solidFill>
+                  <a:srgbClr val="FFFFFF"/>
+                </a:solidFill>
+              </a:defRPr>
+            </a:pPr>
+            <a:endParaRPr/>
+          </a:p>
+        </p:txBody>
+      </p:sp>
     </p:spTree>
     <p:extLst>
       <p:ext uri="{BB962C8B-B14F-4D97-AF65-F5344CB8AC3E}">
@@ -11694,41 +11704,6 @@
           </a:p>
         </p:txBody>
       </p:sp>
-      <p:pic>
-        <p:nvPicPr>
-          <p:cNvPr id="3" name="Picture 2" descr="A blue half circle with a half of it&#10;&#10;Description automatically generated with medium confidence">
-            <a:extLst>
-              <a:ext uri="{FF2B5EF4-FFF2-40B4-BE49-F238E27FC236}">
-                <a16:creationId xmlns:a16="http://schemas.microsoft.com/office/drawing/2014/main" id="{D57A7870-209B-C602-712E-16C0CF482F6F}"/>
-              </a:ext>
-            </a:extLst>
-          </p:cNvPr>
-          <p:cNvPicPr>
-            <a:picLocks noChangeAspect="1"/>
-          </p:cNvPicPr>
-          <p:nvPr/>
-        </p:nvPicPr>
-        <p:blipFill rotWithShape="1">
-          <a:blip r:embed="rId3">
-            <a:extLst>
-              <a:ext uri="{28A0092B-C50C-407E-A947-70E740481C1C}">
-                <a14:useLocalDpi xmlns:a14="http://schemas.microsoft.com/office/drawing/2010/main" val="0"/>
-              </a:ext>
-            </a:extLst>
-          </a:blip>
-          <a:srcRect l="39224" t="28506" r="49138" b="32108"/>
-          <a:stretch/>
-        </p:blipFill>
-        <p:spPr>
-          <a:xfrm>
-            <a:off x="5386552" y="2078420"/>
-            <a:ext cx="1418896" cy="2701159"/>
-          </a:xfrm>
-          <a:prstGeom prst="rect">
-            <a:avLst/>
-          </a:prstGeom>
-        </p:spPr>
-      </p:pic>
       <p:sp>
         <p:nvSpPr>
           <p:cNvPr id="6" name="Rectangle 5">
@@ -11783,6 +11758,51 @@
           </a:p>
         </p:txBody>
       </p:sp>
+      <p:sp>
+        <p:nvSpPr>
+          <p:cNvPr id="7" name="Ellipse 2">
+            <a:extLst>
+              <a:ext uri="{FF2B5EF4-FFF2-40B4-BE49-F238E27FC236}">
+                <a16:creationId xmlns:a16="http://schemas.microsoft.com/office/drawing/2014/main" id="{998E3641-50CD-45C6-9F80-7AD01B3CE0C2}"/>
+              </a:ext>
+            </a:extLst>
+          </p:cNvPr>
+          <p:cNvSpPr/>
+          <p:nvPr/>
+        </p:nvSpPr>
+        <p:spPr>
+          <a:xfrm rot="16200000">
+            <a:off x="5967272" y="992078"/>
+            <a:ext cx="257455" cy="4873843"/>
+          </a:xfrm>
+          <a:prstGeom prst="ellipse">
+            <a:avLst/>
+          </a:prstGeom>
+          <a:solidFill>
+            <a:schemeClr val="accent1"/>
+          </a:solidFill>
+          <a:ln w="12700">
+            <a:solidFill>
+              <a:srgbClr val="32538F"/>
+            </a:solidFill>
+            <a:miter/>
+          </a:ln>
+        </p:spPr>
+        <p:txBody>
+          <a:bodyPr lIns="45719" rIns="45719" anchor="ctr"/>
+          <a:lstStyle/>
+          <a:p>
+            <a:pPr algn="ctr">
+              <a:defRPr>
+                <a:solidFill>
+                  <a:srgbClr val="FFFFFF"/>
+                </a:solidFill>
+              </a:defRPr>
+            </a:pPr>
+            <a:endParaRPr/>
+          </a:p>
+        </p:txBody>
+      </p:sp>
     </p:spTree>
     <p:extLst>
       <p:ext uri="{BB962C8B-B14F-4D97-AF65-F5344CB8AC3E}">
@@ -11921,41 +11941,6 @@
           </a:p>
         </p:txBody>
       </p:sp>
-      <p:pic>
-        <p:nvPicPr>
-          <p:cNvPr id="3" name="Picture 2" descr="A blue half moon with white background&#10;&#10;Description automatically generated">
-            <a:extLst>
-              <a:ext uri="{FF2B5EF4-FFF2-40B4-BE49-F238E27FC236}">
-                <a16:creationId xmlns:a16="http://schemas.microsoft.com/office/drawing/2014/main" id="{8E20DCC1-78FB-8A55-4A4A-9CE2BD7046DC}"/>
-              </a:ext>
-            </a:extLst>
-          </p:cNvPr>
-          <p:cNvPicPr>
-            <a:picLocks noChangeAspect="1"/>
-          </p:cNvPicPr>
-          <p:nvPr/>
-        </p:nvPicPr>
-        <p:blipFill rotWithShape="1">
-          <a:blip r:embed="rId3">
-            <a:extLst>
-              <a:ext uri="{28A0092B-C50C-407E-A947-70E740481C1C}">
-                <a14:useLocalDpi xmlns:a14="http://schemas.microsoft.com/office/drawing/2010/main" val="0"/>
-              </a:ext>
-            </a:extLst>
-          </a:blip>
-          <a:srcRect l="39052" t="28659" r="39310" b="50000"/>
-          <a:stretch/>
-        </p:blipFill>
-        <p:spPr>
-          <a:xfrm>
-            <a:off x="4776951" y="2697216"/>
-            <a:ext cx="2638097" cy="1463567"/>
-          </a:xfrm>
-          <a:prstGeom prst="rect">
-            <a:avLst/>
-          </a:prstGeom>
-        </p:spPr>
-      </p:pic>
       <p:sp>
         <p:nvSpPr>
           <p:cNvPr id="6" name="Rectangle 5">
@@ -12010,6 +11995,51 @@
           </a:p>
         </p:txBody>
       </p:sp>
+      <p:sp>
+        <p:nvSpPr>
+          <p:cNvPr id="8" name="Ellipse 4">
+            <a:extLst>
+              <a:ext uri="{FF2B5EF4-FFF2-40B4-BE49-F238E27FC236}">
+                <a16:creationId xmlns:a16="http://schemas.microsoft.com/office/drawing/2014/main" id="{85434F02-72EC-4DCA-A1DF-690796F7423D}"/>
+              </a:ext>
+            </a:extLst>
+          </p:cNvPr>
+          <p:cNvSpPr/>
+          <p:nvPr/>
+        </p:nvSpPr>
+        <p:spPr>
+          <a:xfrm>
+            <a:off x="5967272" y="1370952"/>
+            <a:ext cx="257455" cy="4116096"/>
+          </a:xfrm>
+          <a:prstGeom prst="ellipse">
+            <a:avLst/>
+          </a:prstGeom>
+          <a:solidFill>
+            <a:schemeClr val="accent1"/>
+          </a:solidFill>
+          <a:ln w="12700">
+            <a:solidFill>
+              <a:srgbClr val="32538F"/>
+            </a:solidFill>
+            <a:miter/>
+          </a:ln>
+        </p:spPr>
+        <p:txBody>
+          <a:bodyPr lIns="45719" rIns="45719" anchor="ctr"/>
+          <a:lstStyle/>
+          <a:p>
+            <a:pPr algn="ctr">
+              <a:defRPr>
+                <a:solidFill>
+                  <a:srgbClr val="FFFFFF"/>
+                </a:solidFill>
+              </a:defRPr>
+            </a:pPr>
+            <a:endParaRPr dirty="0"/>
+          </a:p>
+        </p:txBody>
+      </p:sp>
     </p:spTree>
     <p:extLst>
       <p:ext uri="{BB962C8B-B14F-4D97-AF65-F5344CB8AC3E}">
@@ -12148,41 +12178,6 @@
           </a:p>
         </p:txBody>
       </p:sp>
-      <p:pic>
-        <p:nvPicPr>
-          <p:cNvPr id="3" name="Picture 2" descr="A blue half circle with a white background&#10;&#10;Description automatically generated">
-            <a:extLst>
-              <a:ext uri="{FF2B5EF4-FFF2-40B4-BE49-F238E27FC236}">
-                <a16:creationId xmlns:a16="http://schemas.microsoft.com/office/drawing/2014/main" id="{97BB9C39-4D0A-8839-7975-13B76942CDF1}"/>
-              </a:ext>
-            </a:extLst>
-          </p:cNvPr>
-          <p:cNvPicPr>
-            <a:picLocks noChangeAspect="1"/>
-          </p:cNvPicPr>
-          <p:nvPr/>
-        </p:nvPicPr>
-        <p:blipFill rotWithShape="1">
-          <a:blip r:embed="rId3">
-            <a:extLst>
-              <a:ext uri="{28A0092B-C50C-407E-A947-70E740481C1C}">
-                <a14:useLocalDpi xmlns:a14="http://schemas.microsoft.com/office/drawing/2010/main" val="0"/>
-              </a:ext>
-            </a:extLst>
-          </a:blip>
-          <a:srcRect l="39397" t="47663" r="39483" b="32567"/>
-          <a:stretch/>
-        </p:blipFill>
-        <p:spPr>
-          <a:xfrm>
-            <a:off x="4808483" y="2751082"/>
-            <a:ext cx="2575034" cy="1355836"/>
-          </a:xfrm>
-          <a:prstGeom prst="rect">
-            <a:avLst/>
-          </a:prstGeom>
-        </p:spPr>
-      </p:pic>
       <p:sp>
         <p:nvSpPr>
           <p:cNvPr id="6" name="Rectangle 5">
@@ -12234,6 +12229,51 @@
           <a:p>
             <a:pPr algn="ctr"/>
             <a:endParaRPr lang="en-DK"/>
+          </a:p>
+        </p:txBody>
+      </p:sp>
+      <p:sp>
+        <p:nvSpPr>
+          <p:cNvPr id="7" name="Ellipse 1">
+            <a:extLst>
+              <a:ext uri="{FF2B5EF4-FFF2-40B4-BE49-F238E27FC236}">
+                <a16:creationId xmlns:a16="http://schemas.microsoft.com/office/drawing/2014/main" id="{E5CC420C-609B-4233-B310-975E494AA064}"/>
+              </a:ext>
+            </a:extLst>
+          </p:cNvPr>
+          <p:cNvSpPr/>
+          <p:nvPr/>
+        </p:nvSpPr>
+        <p:spPr>
+          <a:xfrm rot="18609456">
+            <a:off x="5967271" y="817709"/>
+            <a:ext cx="257455" cy="5222583"/>
+          </a:xfrm>
+          <a:prstGeom prst="ellipse">
+            <a:avLst/>
+          </a:prstGeom>
+          <a:solidFill>
+            <a:schemeClr val="accent1"/>
+          </a:solidFill>
+          <a:ln w="12700">
+            <a:solidFill>
+              <a:srgbClr val="32538F"/>
+            </a:solidFill>
+            <a:miter/>
+          </a:ln>
+        </p:spPr>
+        <p:txBody>
+          <a:bodyPr lIns="45719" rIns="45719" anchor="ctr"/>
+          <a:lstStyle/>
+          <a:p>
+            <a:pPr algn="ctr">
+              <a:defRPr>
+                <a:solidFill>
+                  <a:srgbClr val="FFFFFF"/>
+                </a:solidFill>
+              </a:defRPr>
+            </a:pPr>
+            <a:endParaRPr/>
           </a:p>
         </p:txBody>
       </p:sp>
@@ -14430,15 +14470,6 @@
 </file>
 
 <file path=customXml/item1.xml><?xml version="1.0" encoding="utf-8"?>
-<?mso-contentType ?>
-<FormTemplates xmlns="http://schemas.microsoft.com/sharepoint/v3/contenttype/forms">
-  <Display>DocumentLibraryForm</Display>
-  <Edit>DocumentLibraryForm</Edit>
-  <New>DocumentLibraryForm</New>
-</FormTemplates>
-</file>
-
-<file path=customXml/item2.xml><?xml version="1.0" encoding="utf-8"?>
 <ct:contentTypeSchema xmlns:ct="http://schemas.microsoft.com/office/2006/metadata/contentType" xmlns:ma="http://schemas.microsoft.com/office/2006/metadata/properties/metaAttributes" ct:_="" ma:_="" ma:contentTypeName="Document" ma:contentTypeID="0x0101005B996248A2D0E04D87B9DBB54D269DA4" ma:contentTypeVersion="17" ma:contentTypeDescription="Create a new document." ma:contentTypeScope="" ma:versionID="ccde82052730f3953ccb22e595f11d68">
   <xsd:schema xmlns:xsd="http://www.w3.org/2001/XMLSchema" xmlns:xs="http://www.w3.org/2001/XMLSchema" xmlns:p="http://schemas.microsoft.com/office/2006/metadata/properties" xmlns:ns2="51c7d8ad-74c8-4833-8478-0d0a5cafce0c" xmlns:ns3="6dfb7b4b-871d-4c24-9d42-16b14ecd044c" targetNamespace="http://schemas.microsoft.com/office/2006/metadata/properties" ma:root="true" ma:fieldsID="cdfcea1928cd178ac0427a8aa8ed82fa" ns2:_="" ns3:_="">
     <xsd:import namespace="51c7d8ad-74c8-4833-8478-0d0a5cafce0c"/>
@@ -14687,15 +14718,16 @@
 </ct:contentTypeSchema>
 </file>
 
-<file path=customXml/itemProps1.xml><?xml version="1.0" encoding="utf-8"?>
-<ds:datastoreItem xmlns:ds="http://schemas.openxmlformats.org/officeDocument/2006/customXml" ds:itemID="{F60A0FA9-53AC-454F-9DB0-1312247196FB}">
-  <ds:schemaRefs>
-    <ds:schemaRef ds:uri="http://schemas.microsoft.com/sharepoint/v3/contenttype/forms"/>
-  </ds:schemaRefs>
-</ds:datastoreItem>
+<file path=customXml/item2.xml><?xml version="1.0" encoding="utf-8"?>
+<?mso-contentType ?>
+<FormTemplates xmlns="http://schemas.microsoft.com/sharepoint/v3/contenttype/forms">
+  <Display>DocumentLibraryForm</Display>
+  <Edit>DocumentLibraryForm</Edit>
+  <New>DocumentLibraryForm</New>
+</FormTemplates>
 </file>
 
-<file path=customXml/itemProps2.xml><?xml version="1.0" encoding="utf-8"?>
+<file path=customXml/itemProps1.xml><?xml version="1.0" encoding="utf-8"?>
 <ds:datastoreItem xmlns:ds="http://schemas.openxmlformats.org/officeDocument/2006/customXml" ds:itemID="{45414D3F-B1C5-403E-BB47-0DA0186A25FD}">
   <ds:schemaRefs>
     <ds:schemaRef ds:uri="http://schemas.microsoft.com/office/2006/metadata/contentType"/>
@@ -14712,4 +14744,12 @@
     <ds:schemaRef ds:uri="http://schemas.microsoft.com/internal/obd"/>
   </ds:schemaRefs>
 </ds:datastoreItem>
+</file>
+
+<file path=customXml/itemProps2.xml><?xml version="1.0" encoding="utf-8"?>
+<ds:datastoreItem xmlns:ds="http://schemas.openxmlformats.org/officeDocument/2006/customXml" ds:itemID="{F60A0FA9-53AC-454F-9DB0-1312247196FB}">
+  <ds:schemaRefs>
+    <ds:schemaRef ds:uri="http://schemas.microsoft.com/sharepoint/v3/contenttype/forms"/>
+  </ds:schemaRefs>
+</ds:datastoreItem>
 </file>